--- a/Asst1/CS244_DALI_Asst1.pptx
+++ b/Asst1/CS244_DALI_Asst1.pptx
@@ -109,6 +109,11 @@
       </a:defRPr>
     </a:lvl9pPr>
   </p:defaultTextStyle>
+  <p:extLst>
+    <p:ext uri="{EFAFB233-063F-42B5-8137-9DF3F51BA10A}">
+      <p15:sldGuideLst xmlns:p15="http://schemas.microsoft.com/office/powerpoint/2012/main"/>
+    </p:ext>
+  </p:extLst>
 </p:presentation>
 </file>
 
@@ -1156,13 +1161,23 @@
         <p:spPr/>
         <p:txBody>
           <a:bodyPr/>
-          <a:lstStyle/>
-          <a:p>
-            <a:fld id="{D3B23971-C0BD-4CBE-A75B-28E2E51058E2}" type="slidenum">
-              <a:rPr lang="zh-CN" altLang="en-US" smtClean="0"/>
-              <a:t>‹#›</a:t>
-            </a:fld>
-            <a:endParaRPr lang="zh-CN" altLang="en-US"/>
+          <a:lstStyle>
+            <a:lvl1pPr>
+              <a:defRPr sz="1500" b="1">
+                <a:solidFill>
+                  <a:schemeClr val="tx1"/>
+                </a:solidFill>
+                <a:latin typeface="+mj-ea"/>
+                <a:ea typeface="+mj-ea"/>
+              </a:defRPr>
+            </a:lvl1pPr>
+          </a:lstStyle>
+          <a:p>
+            <a:r>
+              <a:rPr lang="en-US" altLang="zh-CN" dirty="0"/>
+              <a:t>Da LI</a:t>
+            </a:r>
+            <a:endParaRPr lang="zh-CN" altLang="en-US" dirty="0"/>
           </a:p>
         </p:txBody>
       </p:sp>
@@ -1337,10 +1352,10 @@
       </p:sp>
       <p:sp>
         <p:nvSpPr>
-          <p:cNvPr id="6" name="灯片编号占位符 5">
-            <a:extLst>
-              <a:ext uri="{FF2B5EF4-FFF2-40B4-BE49-F238E27FC236}">
-                <a16:creationId xmlns:a16="http://schemas.microsoft.com/office/drawing/2014/main" id="{21531B8D-3A54-256C-7855-69AE796E8515}"/>
+          <p:cNvPr id="7" name="灯片编号占位符 5">
+            <a:extLst>
+              <a:ext uri="{FF2B5EF4-FFF2-40B4-BE49-F238E27FC236}">
+                <a16:creationId xmlns:a16="http://schemas.microsoft.com/office/drawing/2014/main" id="{71BC06C7-D3A4-A167-FB52-37BD472FE747}"/>
               </a:ext>
             </a:extLst>
           </p:cNvPr>
@@ -1351,16 +1366,31 @@
             <p:ph type="sldNum" sz="quarter" idx="12"/>
           </p:nvPr>
         </p:nvSpPr>
-        <p:spPr/>
+        <p:spPr>
+          <a:xfrm>
+            <a:off x="8610600" y="6356350"/>
+            <a:ext cx="2743200" cy="365125"/>
+          </a:xfrm>
+        </p:spPr>
         <p:txBody>
           <a:bodyPr/>
-          <a:lstStyle/>
-          <a:p>
-            <a:fld id="{D3B23971-C0BD-4CBE-A75B-28E2E51058E2}" type="slidenum">
-              <a:rPr lang="zh-CN" altLang="en-US" smtClean="0"/>
-              <a:t>‹#›</a:t>
-            </a:fld>
-            <a:endParaRPr lang="zh-CN" altLang="en-US"/>
+          <a:lstStyle>
+            <a:lvl1pPr>
+              <a:defRPr sz="1500" b="1">
+                <a:solidFill>
+                  <a:schemeClr val="tx1"/>
+                </a:solidFill>
+                <a:latin typeface="+mj-ea"/>
+                <a:ea typeface="+mj-ea"/>
+              </a:defRPr>
+            </a:lvl1pPr>
+          </a:lstStyle>
+          <a:p>
+            <a:r>
+              <a:rPr lang="en-US" altLang="zh-CN" dirty="0"/>
+              <a:t>Da LI</a:t>
+            </a:r>
+            <a:endParaRPr lang="zh-CN" altLang="en-US" dirty="0"/>
           </a:p>
         </p:txBody>
       </p:sp>
@@ -1545,10 +1575,10 @@
       </p:sp>
       <p:sp>
         <p:nvSpPr>
-          <p:cNvPr id="6" name="灯片编号占位符 5">
-            <a:extLst>
-              <a:ext uri="{FF2B5EF4-FFF2-40B4-BE49-F238E27FC236}">
-                <a16:creationId xmlns:a16="http://schemas.microsoft.com/office/drawing/2014/main" id="{41563C05-9FE9-D408-B846-E02B6238A7D1}"/>
+          <p:cNvPr id="7" name="灯片编号占位符 5">
+            <a:extLst>
+              <a:ext uri="{FF2B5EF4-FFF2-40B4-BE49-F238E27FC236}">
+                <a16:creationId xmlns:a16="http://schemas.microsoft.com/office/drawing/2014/main" id="{1357E3DE-1765-78A6-2561-71EBFF257610}"/>
               </a:ext>
             </a:extLst>
           </p:cNvPr>
@@ -1559,16 +1589,31 @@
             <p:ph type="sldNum" sz="quarter" idx="12"/>
           </p:nvPr>
         </p:nvSpPr>
-        <p:spPr/>
+        <p:spPr>
+          <a:xfrm>
+            <a:off x="8610600" y="6356350"/>
+            <a:ext cx="2743200" cy="365125"/>
+          </a:xfrm>
+        </p:spPr>
         <p:txBody>
           <a:bodyPr/>
-          <a:lstStyle/>
-          <a:p>
-            <a:fld id="{D3B23971-C0BD-4CBE-A75B-28E2E51058E2}" type="slidenum">
-              <a:rPr lang="zh-CN" altLang="en-US" smtClean="0"/>
-              <a:t>‹#›</a:t>
-            </a:fld>
-            <a:endParaRPr lang="zh-CN" altLang="en-US"/>
+          <a:lstStyle>
+            <a:lvl1pPr>
+              <a:defRPr sz="1500" b="1">
+                <a:solidFill>
+                  <a:schemeClr val="tx1"/>
+                </a:solidFill>
+                <a:latin typeface="+mj-ea"/>
+                <a:ea typeface="+mj-ea"/>
+              </a:defRPr>
+            </a:lvl1pPr>
+          </a:lstStyle>
+          <a:p>
+            <a:r>
+              <a:rPr lang="en-US" altLang="zh-CN" dirty="0"/>
+              <a:t>Da LI</a:t>
+            </a:r>
+            <a:endParaRPr lang="zh-CN" altLang="en-US" dirty="0"/>
           </a:p>
         </p:txBody>
       </p:sp>
@@ -1743,10 +1788,10 @@
       </p:sp>
       <p:sp>
         <p:nvSpPr>
-          <p:cNvPr id="6" name="灯片编号占位符 5">
-            <a:extLst>
-              <a:ext uri="{FF2B5EF4-FFF2-40B4-BE49-F238E27FC236}">
-                <a16:creationId xmlns:a16="http://schemas.microsoft.com/office/drawing/2014/main" id="{C9DB9C92-BA48-DE85-694D-1F2B5BCBE590}"/>
+          <p:cNvPr id="8" name="灯片编号占位符 5">
+            <a:extLst>
+              <a:ext uri="{FF2B5EF4-FFF2-40B4-BE49-F238E27FC236}">
+                <a16:creationId xmlns:a16="http://schemas.microsoft.com/office/drawing/2014/main" id="{D82A60F6-41DB-F067-8D0D-7341ECF47C28}"/>
               </a:ext>
             </a:extLst>
           </p:cNvPr>
@@ -1757,16 +1802,31 @@
             <p:ph type="sldNum" sz="quarter" idx="12"/>
           </p:nvPr>
         </p:nvSpPr>
-        <p:spPr/>
+        <p:spPr>
+          <a:xfrm>
+            <a:off x="8610600" y="6356350"/>
+            <a:ext cx="2743200" cy="365125"/>
+          </a:xfrm>
+        </p:spPr>
         <p:txBody>
           <a:bodyPr/>
-          <a:lstStyle/>
-          <a:p>
-            <a:fld id="{D3B23971-C0BD-4CBE-A75B-28E2E51058E2}" type="slidenum">
-              <a:rPr lang="zh-CN" altLang="en-US" smtClean="0"/>
-              <a:t>‹#›</a:t>
-            </a:fld>
-            <a:endParaRPr lang="zh-CN" altLang="en-US"/>
+          <a:lstStyle>
+            <a:lvl1pPr>
+              <a:defRPr sz="1500" b="1">
+                <a:solidFill>
+                  <a:schemeClr val="tx1"/>
+                </a:solidFill>
+                <a:latin typeface="+mj-ea"/>
+                <a:ea typeface="+mj-ea"/>
+              </a:defRPr>
+            </a:lvl1pPr>
+          </a:lstStyle>
+          <a:p>
+            <a:r>
+              <a:rPr lang="en-US" altLang="zh-CN" dirty="0"/>
+              <a:t>Da LI</a:t>
+            </a:r>
+            <a:endParaRPr lang="zh-CN" altLang="en-US" dirty="0"/>
           </a:p>
         </p:txBody>
       </p:sp>
@@ -2018,10 +2078,10 @@
       </p:sp>
       <p:sp>
         <p:nvSpPr>
-          <p:cNvPr id="6" name="灯片编号占位符 5">
-            <a:extLst>
-              <a:ext uri="{FF2B5EF4-FFF2-40B4-BE49-F238E27FC236}">
-                <a16:creationId xmlns:a16="http://schemas.microsoft.com/office/drawing/2014/main" id="{C9F31A95-9E06-CEF5-0DA6-A3CF4407DBB1}"/>
+          <p:cNvPr id="7" name="灯片编号占位符 5">
+            <a:extLst>
+              <a:ext uri="{FF2B5EF4-FFF2-40B4-BE49-F238E27FC236}">
+                <a16:creationId xmlns:a16="http://schemas.microsoft.com/office/drawing/2014/main" id="{984A8814-1D38-35D9-11B1-8AF3CE48D1A1}"/>
               </a:ext>
             </a:extLst>
           </p:cNvPr>
@@ -2032,16 +2092,31 @@
             <p:ph type="sldNum" sz="quarter" idx="12"/>
           </p:nvPr>
         </p:nvSpPr>
-        <p:spPr/>
+        <p:spPr>
+          <a:xfrm>
+            <a:off x="8610600" y="6356350"/>
+            <a:ext cx="2743200" cy="365125"/>
+          </a:xfrm>
+        </p:spPr>
         <p:txBody>
           <a:bodyPr/>
-          <a:lstStyle/>
-          <a:p>
-            <a:fld id="{D3B23971-C0BD-4CBE-A75B-28E2E51058E2}" type="slidenum">
-              <a:rPr lang="zh-CN" altLang="en-US" smtClean="0"/>
-              <a:t>‹#›</a:t>
-            </a:fld>
-            <a:endParaRPr lang="zh-CN" altLang="en-US"/>
+          <a:lstStyle>
+            <a:lvl1pPr>
+              <a:defRPr sz="1500" b="1">
+                <a:solidFill>
+                  <a:schemeClr val="tx1"/>
+                </a:solidFill>
+                <a:latin typeface="+mj-ea"/>
+                <a:ea typeface="+mj-ea"/>
+              </a:defRPr>
+            </a:lvl1pPr>
+          </a:lstStyle>
+          <a:p>
+            <a:r>
+              <a:rPr lang="en-US" altLang="zh-CN" dirty="0"/>
+              <a:t>Da LI</a:t>
+            </a:r>
+            <a:endParaRPr lang="zh-CN" altLang="en-US" dirty="0"/>
           </a:p>
         </p:txBody>
       </p:sp>
@@ -2283,10 +2358,10 @@
       </p:sp>
       <p:sp>
         <p:nvSpPr>
-          <p:cNvPr id="7" name="灯片编号占位符 6">
-            <a:extLst>
-              <a:ext uri="{FF2B5EF4-FFF2-40B4-BE49-F238E27FC236}">
-                <a16:creationId xmlns:a16="http://schemas.microsoft.com/office/drawing/2014/main" id="{206FA54A-1061-0F41-833E-4DC8ED1CB5C7}"/>
+          <p:cNvPr id="8" name="灯片编号占位符 5">
+            <a:extLst>
+              <a:ext uri="{FF2B5EF4-FFF2-40B4-BE49-F238E27FC236}">
+                <a16:creationId xmlns:a16="http://schemas.microsoft.com/office/drawing/2014/main" id="{E8849978-7551-B505-8721-E0AF403FFBB0}"/>
               </a:ext>
             </a:extLst>
           </p:cNvPr>
@@ -2297,16 +2372,31 @@
             <p:ph type="sldNum" sz="quarter" idx="12"/>
           </p:nvPr>
         </p:nvSpPr>
-        <p:spPr/>
+        <p:spPr>
+          <a:xfrm>
+            <a:off x="8610600" y="6356350"/>
+            <a:ext cx="2743200" cy="365125"/>
+          </a:xfrm>
+        </p:spPr>
         <p:txBody>
           <a:bodyPr/>
-          <a:lstStyle/>
-          <a:p>
-            <a:fld id="{D3B23971-C0BD-4CBE-A75B-28E2E51058E2}" type="slidenum">
-              <a:rPr lang="zh-CN" altLang="en-US" smtClean="0"/>
-              <a:t>‹#›</a:t>
-            </a:fld>
-            <a:endParaRPr lang="zh-CN" altLang="en-US"/>
+          <a:lstStyle>
+            <a:lvl1pPr>
+              <a:defRPr sz="1500" b="1">
+                <a:solidFill>
+                  <a:schemeClr val="tx1"/>
+                </a:solidFill>
+                <a:latin typeface="+mj-ea"/>
+                <a:ea typeface="+mj-ea"/>
+              </a:defRPr>
+            </a:lvl1pPr>
+          </a:lstStyle>
+          <a:p>
+            <a:r>
+              <a:rPr lang="en-US" altLang="zh-CN" dirty="0"/>
+              <a:t>Da LI</a:t>
+            </a:r>
+            <a:endParaRPr lang="zh-CN" altLang="en-US" dirty="0"/>
           </a:p>
         </p:txBody>
       </p:sp>
@@ -2695,10 +2785,10 @@
       </p:sp>
       <p:sp>
         <p:nvSpPr>
-          <p:cNvPr id="9" name="灯片编号占位符 8">
-            <a:extLst>
-              <a:ext uri="{FF2B5EF4-FFF2-40B4-BE49-F238E27FC236}">
-                <a16:creationId xmlns:a16="http://schemas.microsoft.com/office/drawing/2014/main" id="{8D156758-2DE8-725D-50C0-8E51D3EB8A8A}"/>
+          <p:cNvPr id="10" name="灯片编号占位符 5">
+            <a:extLst>
+              <a:ext uri="{FF2B5EF4-FFF2-40B4-BE49-F238E27FC236}">
+                <a16:creationId xmlns:a16="http://schemas.microsoft.com/office/drawing/2014/main" id="{7C7B1DE4-2800-A587-30F1-CCDBABA12AF5}"/>
               </a:ext>
             </a:extLst>
           </p:cNvPr>
@@ -2709,16 +2799,31 @@
             <p:ph type="sldNum" sz="quarter" idx="12"/>
           </p:nvPr>
         </p:nvSpPr>
-        <p:spPr/>
+        <p:spPr>
+          <a:xfrm>
+            <a:off x="8610600" y="6356350"/>
+            <a:ext cx="2743200" cy="365125"/>
+          </a:xfrm>
+        </p:spPr>
         <p:txBody>
           <a:bodyPr/>
-          <a:lstStyle/>
-          <a:p>
-            <a:fld id="{D3B23971-C0BD-4CBE-A75B-28E2E51058E2}" type="slidenum">
-              <a:rPr lang="zh-CN" altLang="en-US" smtClean="0"/>
-              <a:t>‹#›</a:t>
-            </a:fld>
-            <a:endParaRPr lang="zh-CN" altLang="en-US"/>
+          <a:lstStyle>
+            <a:lvl1pPr>
+              <a:defRPr sz="1500" b="1">
+                <a:solidFill>
+                  <a:schemeClr val="tx1"/>
+                </a:solidFill>
+                <a:latin typeface="+mj-ea"/>
+                <a:ea typeface="+mj-ea"/>
+              </a:defRPr>
+            </a:lvl1pPr>
+          </a:lstStyle>
+          <a:p>
+            <a:r>
+              <a:rPr lang="en-US" altLang="zh-CN" dirty="0"/>
+              <a:t>Da LI</a:t>
+            </a:r>
+            <a:endParaRPr lang="zh-CN" altLang="en-US" dirty="0"/>
           </a:p>
         </p:txBody>
       </p:sp>
@@ -2836,10 +2941,10 @@
       </p:sp>
       <p:sp>
         <p:nvSpPr>
-          <p:cNvPr id="5" name="灯片编号占位符 4">
-            <a:extLst>
-              <a:ext uri="{FF2B5EF4-FFF2-40B4-BE49-F238E27FC236}">
-                <a16:creationId xmlns:a16="http://schemas.microsoft.com/office/drawing/2014/main" id="{615DC2EF-0041-E72D-29AF-09AFC9276895}"/>
+          <p:cNvPr id="6" name="灯片编号占位符 5">
+            <a:extLst>
+              <a:ext uri="{FF2B5EF4-FFF2-40B4-BE49-F238E27FC236}">
+                <a16:creationId xmlns:a16="http://schemas.microsoft.com/office/drawing/2014/main" id="{8AEBF336-E11F-F4A8-1CAB-7AAD66EED48B}"/>
               </a:ext>
             </a:extLst>
           </p:cNvPr>
@@ -2850,16 +2955,31 @@
             <p:ph type="sldNum" sz="quarter" idx="12"/>
           </p:nvPr>
         </p:nvSpPr>
-        <p:spPr/>
+        <p:spPr>
+          <a:xfrm>
+            <a:off x="8610600" y="6356350"/>
+            <a:ext cx="2743200" cy="365125"/>
+          </a:xfrm>
+        </p:spPr>
         <p:txBody>
           <a:bodyPr/>
-          <a:lstStyle/>
-          <a:p>
-            <a:fld id="{D3B23971-C0BD-4CBE-A75B-28E2E51058E2}" type="slidenum">
-              <a:rPr lang="zh-CN" altLang="en-US" smtClean="0"/>
-              <a:t>‹#›</a:t>
-            </a:fld>
-            <a:endParaRPr lang="zh-CN" altLang="en-US"/>
+          <a:lstStyle>
+            <a:lvl1pPr>
+              <a:defRPr sz="1500" b="1">
+                <a:solidFill>
+                  <a:schemeClr val="tx1"/>
+                </a:solidFill>
+                <a:latin typeface="+mj-ea"/>
+                <a:ea typeface="+mj-ea"/>
+              </a:defRPr>
+            </a:lvl1pPr>
+          </a:lstStyle>
+          <a:p>
+            <a:r>
+              <a:rPr lang="en-US" altLang="zh-CN" dirty="0"/>
+              <a:t>Da LI</a:t>
+            </a:r>
+            <a:endParaRPr lang="zh-CN" altLang="en-US" dirty="0"/>
           </a:p>
         </p:txBody>
       </p:sp>
@@ -2949,10 +3069,10 @@
       </p:sp>
       <p:sp>
         <p:nvSpPr>
-          <p:cNvPr id="4" name="灯片编号占位符 3">
-            <a:extLst>
-              <a:ext uri="{FF2B5EF4-FFF2-40B4-BE49-F238E27FC236}">
-                <a16:creationId xmlns:a16="http://schemas.microsoft.com/office/drawing/2014/main" id="{57B8F237-7CDE-1D06-7588-8FD226C7EF1C}"/>
+          <p:cNvPr id="5" name="灯片编号占位符 5">
+            <a:extLst>
+              <a:ext uri="{FF2B5EF4-FFF2-40B4-BE49-F238E27FC236}">
+                <a16:creationId xmlns:a16="http://schemas.microsoft.com/office/drawing/2014/main" id="{C2DB6AD1-787E-9002-384E-F6C354FDF7DD}"/>
               </a:ext>
             </a:extLst>
           </p:cNvPr>
@@ -2963,16 +3083,31 @@
             <p:ph type="sldNum" sz="quarter" idx="12"/>
           </p:nvPr>
         </p:nvSpPr>
-        <p:spPr/>
+        <p:spPr>
+          <a:xfrm>
+            <a:off x="8610600" y="6356350"/>
+            <a:ext cx="2743200" cy="365125"/>
+          </a:xfrm>
+        </p:spPr>
         <p:txBody>
           <a:bodyPr/>
-          <a:lstStyle/>
-          <a:p>
-            <a:fld id="{D3B23971-C0BD-4CBE-A75B-28E2E51058E2}" type="slidenum">
-              <a:rPr lang="zh-CN" altLang="en-US" smtClean="0"/>
-              <a:t>‹#›</a:t>
-            </a:fld>
-            <a:endParaRPr lang="zh-CN" altLang="en-US"/>
+          <a:lstStyle>
+            <a:lvl1pPr>
+              <a:defRPr sz="1500" b="1">
+                <a:solidFill>
+                  <a:schemeClr val="tx1"/>
+                </a:solidFill>
+                <a:latin typeface="+mj-ea"/>
+                <a:ea typeface="+mj-ea"/>
+              </a:defRPr>
+            </a:lvl1pPr>
+          </a:lstStyle>
+          <a:p>
+            <a:r>
+              <a:rPr lang="en-US" altLang="zh-CN" dirty="0"/>
+              <a:t>Da LI</a:t>
+            </a:r>
+            <a:endParaRPr lang="zh-CN" altLang="en-US" dirty="0"/>
           </a:p>
         </p:txBody>
       </p:sp>
@@ -3260,10 +3395,10 @@
       </p:sp>
       <p:sp>
         <p:nvSpPr>
-          <p:cNvPr id="7" name="灯片编号占位符 6">
-            <a:extLst>
-              <a:ext uri="{FF2B5EF4-FFF2-40B4-BE49-F238E27FC236}">
-                <a16:creationId xmlns:a16="http://schemas.microsoft.com/office/drawing/2014/main" id="{1BE10878-8E01-3EA3-DDC6-78C16C796307}"/>
+          <p:cNvPr id="8" name="灯片编号占位符 5">
+            <a:extLst>
+              <a:ext uri="{FF2B5EF4-FFF2-40B4-BE49-F238E27FC236}">
+                <a16:creationId xmlns:a16="http://schemas.microsoft.com/office/drawing/2014/main" id="{BA500002-D83F-BFB1-127B-B771147AF2D5}"/>
               </a:ext>
             </a:extLst>
           </p:cNvPr>
@@ -3274,16 +3409,31 @@
             <p:ph type="sldNum" sz="quarter" idx="12"/>
           </p:nvPr>
         </p:nvSpPr>
-        <p:spPr/>
+        <p:spPr>
+          <a:xfrm>
+            <a:off x="8610600" y="6356350"/>
+            <a:ext cx="2743200" cy="365125"/>
+          </a:xfrm>
+        </p:spPr>
         <p:txBody>
           <a:bodyPr/>
-          <a:lstStyle/>
-          <a:p>
-            <a:fld id="{D3B23971-C0BD-4CBE-A75B-28E2E51058E2}" type="slidenum">
-              <a:rPr lang="zh-CN" altLang="en-US" smtClean="0"/>
-              <a:t>‹#›</a:t>
-            </a:fld>
-            <a:endParaRPr lang="zh-CN" altLang="en-US"/>
+          <a:lstStyle>
+            <a:lvl1pPr>
+              <a:defRPr sz="1500" b="1">
+                <a:solidFill>
+                  <a:schemeClr val="tx1"/>
+                </a:solidFill>
+                <a:latin typeface="+mj-ea"/>
+                <a:ea typeface="+mj-ea"/>
+              </a:defRPr>
+            </a:lvl1pPr>
+          </a:lstStyle>
+          <a:p>
+            <a:r>
+              <a:rPr lang="en-US" altLang="zh-CN" dirty="0"/>
+              <a:t>Da LI</a:t>
+            </a:r>
+            <a:endParaRPr lang="zh-CN" altLang="en-US" dirty="0"/>
           </a:p>
         </p:txBody>
       </p:sp>
@@ -3548,10 +3698,10 @@
       </p:sp>
       <p:sp>
         <p:nvSpPr>
-          <p:cNvPr id="7" name="灯片编号占位符 6">
-            <a:extLst>
-              <a:ext uri="{FF2B5EF4-FFF2-40B4-BE49-F238E27FC236}">
-                <a16:creationId xmlns:a16="http://schemas.microsoft.com/office/drawing/2014/main" id="{59A6CF34-0566-937D-2A3E-19AF654D4E72}"/>
+          <p:cNvPr id="8" name="灯片编号占位符 5">
+            <a:extLst>
+              <a:ext uri="{FF2B5EF4-FFF2-40B4-BE49-F238E27FC236}">
+                <a16:creationId xmlns:a16="http://schemas.microsoft.com/office/drawing/2014/main" id="{2DD188A0-25E2-EED1-41BD-E2321BA094FD}"/>
               </a:ext>
             </a:extLst>
           </p:cNvPr>
@@ -3562,16 +3712,31 @@
             <p:ph type="sldNum" sz="quarter" idx="12"/>
           </p:nvPr>
         </p:nvSpPr>
-        <p:spPr/>
+        <p:spPr>
+          <a:xfrm>
+            <a:off x="8610600" y="6356350"/>
+            <a:ext cx="2743200" cy="365125"/>
+          </a:xfrm>
+        </p:spPr>
         <p:txBody>
           <a:bodyPr/>
-          <a:lstStyle/>
-          <a:p>
-            <a:fld id="{D3B23971-C0BD-4CBE-A75B-28E2E51058E2}" type="slidenum">
-              <a:rPr lang="zh-CN" altLang="en-US" smtClean="0"/>
-              <a:t>‹#›</a:t>
-            </a:fld>
-            <a:endParaRPr lang="zh-CN" altLang="en-US"/>
+          <a:lstStyle>
+            <a:lvl1pPr>
+              <a:defRPr sz="1500" b="1">
+                <a:solidFill>
+                  <a:schemeClr val="tx1"/>
+                </a:solidFill>
+                <a:latin typeface="+mj-ea"/>
+                <a:ea typeface="+mj-ea"/>
+              </a:defRPr>
+            </a:lvl1pPr>
+          </a:lstStyle>
+          <a:p>
+            <a:r>
+              <a:rPr lang="en-US" altLang="zh-CN" dirty="0"/>
+              <a:t>Da LI</a:t>
+            </a:r>
+            <a:endParaRPr lang="zh-CN" altLang="en-US" dirty="0"/>
           </a:p>
         </p:txBody>
       </p:sp>
@@ -5477,6 +5642,42 @@
           </a:p>
         </p:txBody>
       </p:sp>
+      <p:sp>
+        <p:nvSpPr>
+          <p:cNvPr id="2" name="文本框 1">
+            <a:extLst>
+              <a:ext uri="{FF2B5EF4-FFF2-40B4-BE49-F238E27FC236}">
+                <a16:creationId xmlns:a16="http://schemas.microsoft.com/office/drawing/2014/main" id="{F047EC24-A27C-D176-F285-563185A5A244}"/>
+              </a:ext>
+            </a:extLst>
+          </p:cNvPr>
+          <p:cNvSpPr txBox="1"/>
+          <p:nvPr/>
+        </p:nvSpPr>
+        <p:spPr>
+          <a:xfrm>
+            <a:off x="11188407" y="6438898"/>
+            <a:ext cx="904973" cy="369332"/>
+          </a:xfrm>
+          <a:prstGeom prst="rect">
+            <a:avLst/>
+          </a:prstGeom>
+          <a:noFill/>
+        </p:spPr>
+        <p:txBody>
+          <a:bodyPr wrap="square" rtlCol="0">
+            <a:spAutoFit/>
+          </a:bodyPr>
+          <a:lstStyle/>
+          <a:p>
+            <a:r>
+              <a:rPr lang="en-US" altLang="zh-CN" b="1" dirty="0"/>
+              <a:t>Da LI</a:t>
+            </a:r>
+            <a:endParaRPr lang="zh-CN" altLang="en-US" b="1" dirty="0"/>
+          </a:p>
+        </p:txBody>
+      </p:sp>
     </p:spTree>
     <p:extLst>
       <p:ext uri="{BB962C8B-B14F-4D97-AF65-F5344CB8AC3E}">
@@ -6339,6 +6540,42 @@
           </p:txBody>
         </p:sp>
       </p:grpSp>
+      <p:sp>
+        <p:nvSpPr>
+          <p:cNvPr id="2" name="文本框 1">
+            <a:extLst>
+              <a:ext uri="{FF2B5EF4-FFF2-40B4-BE49-F238E27FC236}">
+                <a16:creationId xmlns:a16="http://schemas.microsoft.com/office/drawing/2014/main" id="{413526E8-4F9D-5B0A-D78C-1BEA45BCBE38}"/>
+              </a:ext>
+            </a:extLst>
+          </p:cNvPr>
+          <p:cNvSpPr txBox="1"/>
+          <p:nvPr/>
+        </p:nvSpPr>
+        <p:spPr>
+          <a:xfrm>
+            <a:off x="11188407" y="6438898"/>
+            <a:ext cx="904973" cy="369332"/>
+          </a:xfrm>
+          <a:prstGeom prst="rect">
+            <a:avLst/>
+          </a:prstGeom>
+          <a:noFill/>
+        </p:spPr>
+        <p:txBody>
+          <a:bodyPr wrap="square" rtlCol="0">
+            <a:spAutoFit/>
+          </a:bodyPr>
+          <a:lstStyle/>
+          <a:p>
+            <a:r>
+              <a:rPr lang="en-US" altLang="zh-CN" b="1" dirty="0"/>
+              <a:t>Da LI</a:t>
+            </a:r>
+            <a:endParaRPr lang="zh-CN" altLang="en-US" b="1" dirty="0"/>
+          </a:p>
+        </p:txBody>
+      </p:sp>
     </p:spTree>
     <p:extLst>
       <p:ext uri="{BB962C8B-B14F-4D97-AF65-F5344CB8AC3E}">
@@ -7274,6 +7511,42 @@
           </a:p>
         </p:txBody>
       </p:sp>
+      <p:sp>
+        <p:nvSpPr>
+          <p:cNvPr id="2" name="文本框 1">
+            <a:extLst>
+              <a:ext uri="{FF2B5EF4-FFF2-40B4-BE49-F238E27FC236}">
+                <a16:creationId xmlns:a16="http://schemas.microsoft.com/office/drawing/2014/main" id="{0F092B94-8023-CA12-EDBD-251509A8AA2C}"/>
+              </a:ext>
+            </a:extLst>
+          </p:cNvPr>
+          <p:cNvSpPr txBox="1"/>
+          <p:nvPr/>
+        </p:nvSpPr>
+        <p:spPr>
+          <a:xfrm>
+            <a:off x="11188407" y="6438898"/>
+            <a:ext cx="904973" cy="369332"/>
+          </a:xfrm>
+          <a:prstGeom prst="rect">
+            <a:avLst/>
+          </a:prstGeom>
+          <a:noFill/>
+        </p:spPr>
+        <p:txBody>
+          <a:bodyPr wrap="square" rtlCol="0">
+            <a:spAutoFit/>
+          </a:bodyPr>
+          <a:lstStyle/>
+          <a:p>
+            <a:r>
+              <a:rPr lang="en-US" altLang="zh-CN" b="1" dirty="0"/>
+              <a:t>Da LI</a:t>
+            </a:r>
+            <a:endParaRPr lang="zh-CN" altLang="en-US" b="1" dirty="0"/>
+          </a:p>
+        </p:txBody>
+      </p:sp>
     </p:spTree>
     <p:extLst>
       <p:ext uri="{BB962C8B-B14F-4D97-AF65-F5344CB8AC3E}">
@@ -7748,6 +8021,42 @@
           </a:prstGeom>
         </p:spPr>
       </p:pic>
+      <p:sp>
+        <p:nvSpPr>
+          <p:cNvPr id="2" name="文本框 1">
+            <a:extLst>
+              <a:ext uri="{FF2B5EF4-FFF2-40B4-BE49-F238E27FC236}">
+                <a16:creationId xmlns:a16="http://schemas.microsoft.com/office/drawing/2014/main" id="{27104629-33AC-7BA3-7F56-7B9C64ADCC1B}"/>
+              </a:ext>
+            </a:extLst>
+          </p:cNvPr>
+          <p:cNvSpPr txBox="1"/>
+          <p:nvPr/>
+        </p:nvSpPr>
+        <p:spPr>
+          <a:xfrm>
+            <a:off x="11188407" y="6438898"/>
+            <a:ext cx="904973" cy="369332"/>
+          </a:xfrm>
+          <a:prstGeom prst="rect">
+            <a:avLst/>
+          </a:prstGeom>
+          <a:noFill/>
+        </p:spPr>
+        <p:txBody>
+          <a:bodyPr wrap="square" rtlCol="0">
+            <a:spAutoFit/>
+          </a:bodyPr>
+          <a:lstStyle/>
+          <a:p>
+            <a:r>
+              <a:rPr lang="en-US" altLang="zh-CN" b="1" dirty="0"/>
+              <a:t>Da LI</a:t>
+            </a:r>
+            <a:endParaRPr lang="zh-CN" altLang="en-US" b="1" dirty="0"/>
+          </a:p>
+        </p:txBody>
+      </p:sp>
     </p:spTree>
     <p:extLst>
       <p:ext uri="{BB962C8B-B14F-4D97-AF65-F5344CB8AC3E}">
@@ -8303,6 +8612,42 @@
           </a:prstGeom>
         </p:spPr>
       </p:pic>
+      <p:sp>
+        <p:nvSpPr>
+          <p:cNvPr id="2" name="文本框 1">
+            <a:extLst>
+              <a:ext uri="{FF2B5EF4-FFF2-40B4-BE49-F238E27FC236}">
+                <a16:creationId xmlns:a16="http://schemas.microsoft.com/office/drawing/2014/main" id="{F599A1D3-5C95-EAFE-276E-9BC5D7598350}"/>
+              </a:ext>
+            </a:extLst>
+          </p:cNvPr>
+          <p:cNvSpPr txBox="1"/>
+          <p:nvPr/>
+        </p:nvSpPr>
+        <p:spPr>
+          <a:xfrm>
+            <a:off x="11188407" y="6438898"/>
+            <a:ext cx="904973" cy="369332"/>
+          </a:xfrm>
+          <a:prstGeom prst="rect">
+            <a:avLst/>
+          </a:prstGeom>
+          <a:noFill/>
+        </p:spPr>
+        <p:txBody>
+          <a:bodyPr wrap="square" rtlCol="0">
+            <a:spAutoFit/>
+          </a:bodyPr>
+          <a:lstStyle/>
+          <a:p>
+            <a:r>
+              <a:rPr lang="en-US" altLang="zh-CN" b="1" dirty="0"/>
+              <a:t>Da LI</a:t>
+            </a:r>
+            <a:endParaRPr lang="zh-CN" altLang="en-US" b="1" dirty="0"/>
+          </a:p>
+        </p:txBody>
+      </p:sp>
     </p:spTree>
     <p:extLst>
       <p:ext uri="{BB962C8B-B14F-4D97-AF65-F5344CB8AC3E}">
